--- a/Homework/파이썬 연습문제.pptx
+++ b/Homework/파이썬 연습문제.pptx
@@ -5,7 +5,7 @@
     <p:sldMasterId id="2147483648" r:id="rId1"/>
   </p:sldMasterIdLst>
   <p:notesMasterIdLst>
-    <p:notesMasterId r:id="rId8"/>
+    <p:notesMasterId r:id="rId9"/>
   </p:notesMasterIdLst>
   <p:sldIdLst>
     <p:sldId id="259" r:id="rId2"/>
@@ -14,6 +14,7 @@
     <p:sldId id="261" r:id="rId5"/>
     <p:sldId id="262" r:id="rId6"/>
     <p:sldId id="263" r:id="rId7"/>
+    <p:sldId id="264" r:id="rId8"/>
   </p:sldIdLst>
   <p:sldSz cx="9906000" cy="6858000" type="A4"/>
   <p:notesSz cx="6858000" cy="9144000"/>
@@ -197,7 +198,7 @@
           <a:p>
             <a:fld id="{F8EE9BE4-BA73-4D39-86BF-4ECBF107F1A2}" type="datetimeFigureOut">
               <a:rPr lang="ko-KR" altLang="en-US" smtClean="0"/>
-              <a:t>2019-07-19</a:t>
+              <a:t>2019-08-01</a:t>
             </a:fld>
             <a:endParaRPr lang="ko-KR" altLang="en-US"/>
           </a:p>
@@ -611,7 +612,7 @@
           <a:p>
             <a:fld id="{21845987-2C55-46C3-B831-AE09533DBD3E}" type="datetime1">
               <a:rPr lang="ko-KR" altLang="en-US" smtClean="0"/>
-              <a:t>2019-07-19</a:t>
+              <a:t>2019-08-01</a:t>
             </a:fld>
             <a:endParaRPr lang="ko-KR" altLang="en-US"/>
           </a:p>
@@ -739,7 +740,7 @@
           <a:p>
             <a:fld id="{BFC15BBE-F44D-4F1F-A330-F82D13529371}" type="datetime1">
               <a:rPr lang="ko-KR" altLang="en-US" smtClean="0"/>
-              <a:t>2019-07-19</a:t>
+              <a:t>2019-08-01</a:t>
             </a:fld>
             <a:endParaRPr lang="ko-KR" altLang="en-US"/>
           </a:p>
@@ -919,7 +920,7 @@
           <a:p>
             <a:fld id="{AF55841B-9C56-4B13-96CD-0F02E1FA3938}" type="datetime1">
               <a:rPr lang="ko-KR" altLang="en-US" smtClean="0"/>
-              <a:t>2019-07-19</a:t>
+              <a:t>2019-08-01</a:t>
             </a:fld>
             <a:endParaRPr lang="ko-KR" altLang="en-US"/>
           </a:p>
@@ -1089,7 +1090,7 @@
           <a:p>
             <a:fld id="{2ABF20A8-D685-4CF2-B639-02FF1506B0EE}" type="datetime1">
               <a:rPr lang="ko-KR" altLang="en-US" smtClean="0"/>
-              <a:t>2019-07-19</a:t>
+              <a:t>2019-08-01</a:t>
             </a:fld>
             <a:endParaRPr lang="ko-KR" altLang="en-US"/>
           </a:p>
@@ -1335,7 +1336,7 @@
           <a:p>
             <a:fld id="{2811EE05-8720-4A70-86E4-81F89E9A0E97}" type="datetime1">
               <a:rPr lang="ko-KR" altLang="en-US" smtClean="0"/>
-              <a:t>2019-07-19</a:t>
+              <a:t>2019-08-01</a:t>
             </a:fld>
             <a:endParaRPr lang="ko-KR" altLang="en-US"/>
           </a:p>
@@ -1623,7 +1624,7 @@
           <a:p>
             <a:fld id="{4A1C758F-DBB4-457E-A726-1AAB5F25B981}" type="datetime1">
               <a:rPr lang="ko-KR" altLang="en-US" smtClean="0"/>
-              <a:t>2019-07-19</a:t>
+              <a:t>2019-08-01</a:t>
             </a:fld>
             <a:endParaRPr lang="ko-KR" altLang="en-US"/>
           </a:p>
@@ -2045,7 +2046,7 @@
           <a:p>
             <a:fld id="{7B601672-9529-4A60-880B-20248A654710}" type="datetime1">
               <a:rPr lang="ko-KR" altLang="en-US" smtClean="0"/>
-              <a:t>2019-07-19</a:t>
+              <a:t>2019-08-01</a:t>
             </a:fld>
             <a:endParaRPr lang="ko-KR" altLang="en-US"/>
           </a:p>
@@ -2163,7 +2164,7 @@
           <a:p>
             <a:fld id="{C95B78CF-F6D9-4B1C-9763-19B11B300263}" type="datetime1">
               <a:rPr lang="ko-KR" altLang="en-US" smtClean="0"/>
-              <a:t>2019-07-19</a:t>
+              <a:t>2019-08-01</a:t>
             </a:fld>
             <a:endParaRPr lang="ko-KR" altLang="en-US"/>
           </a:p>
@@ -2258,7 +2259,7 @@
           <a:p>
             <a:fld id="{5922D0F6-4AA9-49FC-859A-85F46D10708C}" type="datetime1">
               <a:rPr lang="ko-KR" altLang="en-US" smtClean="0"/>
-              <a:t>2019-07-19</a:t>
+              <a:t>2019-08-01</a:t>
             </a:fld>
             <a:endParaRPr lang="ko-KR" altLang="en-US"/>
           </a:p>
@@ -2535,7 +2536,7 @@
           <a:p>
             <a:fld id="{CEDA55FF-F5DC-4391-BDEA-D69D740997F9}" type="datetime1">
               <a:rPr lang="ko-KR" altLang="en-US" smtClean="0"/>
-              <a:t>2019-07-19</a:t>
+              <a:t>2019-08-01</a:t>
             </a:fld>
             <a:endParaRPr lang="ko-KR" altLang="en-US"/>
           </a:p>
@@ -2788,7 +2789,7 @@
           <a:p>
             <a:fld id="{D2D6606D-0E2F-4E15-83D6-FE608293D64D}" type="datetime1">
               <a:rPr lang="ko-KR" altLang="en-US" smtClean="0"/>
-              <a:t>2019-07-19</a:t>
+              <a:t>2019-08-01</a:t>
             </a:fld>
             <a:endParaRPr lang="ko-KR" altLang="en-US"/>
           </a:p>
@@ -3001,7 +3002,7 @@
           <a:p>
             <a:fld id="{7F3773C4-A1CC-40B4-8E1B-E8B2DF0E5786}" type="datetime1">
               <a:rPr lang="ko-KR" altLang="en-US" smtClean="0"/>
-              <a:t>2019-07-19</a:t>
+              <a:t>2019-08-01</a:t>
             </a:fld>
             <a:endParaRPr lang="ko-KR" altLang="en-US"/>
           </a:p>
@@ -7963,8 +7964,19 @@
                 <a:latin typeface="D2Coding ligature" pitchFamily="49" charset="-127"/>
                 <a:ea typeface="D2Coding ligature" pitchFamily="49" charset="-127"/>
               </a:rPr>
-              <a:t>: f:/Workspace/Egov/xxx.java</a:t>
-            </a:r>
+              <a:t>: f:/</a:t>
+            </a:r>
+            <a:r>
+              <a:rPr lang="en-US" altLang="ko-KR" sz="1400" dirty="0" smtClean="0">
+                <a:latin typeface="D2Coding ligature" pitchFamily="49" charset="-127"/>
+                <a:ea typeface="D2Coding ligature" pitchFamily="49" charset="-127"/>
+              </a:rPr>
+              <a:t>Workspace/Egov/xxx.py</a:t>
+            </a:r>
+            <a:endParaRPr lang="en-US" altLang="ko-KR" sz="1400" dirty="0">
+              <a:latin typeface="D2Coding ligature" pitchFamily="49" charset="-127"/>
+              <a:ea typeface="D2Coding ligature" pitchFamily="49" charset="-127"/>
+            </a:endParaRPr>
           </a:p>
           <a:p>
             <a:pPr marL="1257300" lvl="2" indent="-342900">
@@ -8911,14 +8923,14 @@
               <a:t>파일명</a:t>
             </a:r>
             <a:r>
-              <a:rPr lang="en-US" altLang="ko-KR" sz="1400">
+              <a:rPr lang="en-US" altLang="ko-KR" sz="1400" dirty="0">
                 <a:latin typeface="D2Coding ligature" pitchFamily="49" charset="-127"/>
                 <a:ea typeface="D2Coding ligature" pitchFamily="49" charset="-127"/>
               </a:rPr>
               <a:t>: </a:t>
             </a:r>
             <a:r>
-              <a:rPr lang="en-US" altLang="ko-KR" sz="1400" smtClean="0">
+              <a:rPr lang="en-US" altLang="ko-KR" sz="1400" dirty="0" smtClean="0">
                 <a:latin typeface="D2Coding ligature" pitchFamily="49" charset="-127"/>
                 <a:ea typeface="D2Coding ligature" pitchFamily="49" charset="-127"/>
               </a:rPr>
@@ -9177,6 +9189,1079 @@
     <p:extLst>
       <p:ext uri="{BB962C8B-B14F-4D97-AF65-F5344CB8AC3E}">
         <p14:creationId xmlns:p14="http://schemas.microsoft.com/office/powerpoint/2010/main" val="3527359355"/>
+      </p:ext>
+    </p:extLst>
+  </p:cSld>
+  <p:clrMapOvr>
+    <a:masterClrMapping/>
+  </p:clrMapOvr>
+  <p:timing>
+    <p:tnLst>
+      <p:par>
+        <p:cTn id="1" dur="indefinite" restart="never" nodeType="tmRoot"/>
+      </p:par>
+    </p:tnLst>
+  </p:timing>
+</p:sld>
+</file>
+
+<file path=ppt/slides/slide7.xml><?xml version="1.0" encoding="utf-8"?>
+<p:sld xmlns:a="http://schemas.openxmlformats.org/drawingml/2006/main" xmlns:r="http://schemas.openxmlformats.org/officeDocument/2006/relationships" xmlns:p="http://schemas.openxmlformats.org/presentationml/2006/main">
+  <p:cSld>
+    <p:spTree>
+      <p:nvGrpSpPr>
+        <p:cNvPr id="1" name=""/>
+        <p:cNvGrpSpPr/>
+        <p:nvPr/>
+      </p:nvGrpSpPr>
+      <p:grpSpPr>
+        <a:xfrm>
+          <a:off x="0" y="0"/>
+          <a:ext cx="0" cy="0"/>
+          <a:chOff x="0" y="0"/>
+          <a:chExt cx="0" cy="0"/>
+        </a:xfrm>
+      </p:grpSpPr>
+      <p:sp>
+        <p:nvSpPr>
+          <p:cNvPr id="2" name="슬라이드 번호 개체 틀 1"/>
+          <p:cNvSpPr>
+            <a:spLocks noGrp="1"/>
+          </p:cNvSpPr>
+          <p:nvPr>
+            <p:ph type="sldNum" sz="quarter" idx="12"/>
+          </p:nvPr>
+        </p:nvSpPr>
+        <p:spPr/>
+        <p:txBody>
+          <a:bodyPr/>
+          <a:lstStyle/>
+          <a:p>
+            <a:r>
+              <a:rPr lang="en-US" altLang="ko-KR" smtClean="0"/>
+              <a:t>- </a:t>
+            </a:r>
+            <a:fld id="{49DB445C-4329-4AA7-BCEF-971B825554EE}" type="slidenum">
+              <a:rPr lang="ko-KR" altLang="en-US" smtClean="0"/>
+              <a:pPr/>
+              <a:t>6</a:t>
+            </a:fld>
+            <a:r>
+              <a:rPr lang="ko-KR" altLang="en-US" smtClean="0"/>
+              <a:t> </a:t>
+            </a:r>
+            <a:r>
+              <a:rPr lang="en-US" altLang="ko-KR" smtClean="0"/>
+              <a:t>-</a:t>
+            </a:r>
+            <a:endParaRPr lang="ko-KR" altLang="en-US" dirty="0"/>
+          </a:p>
+        </p:txBody>
+      </p:sp>
+      <p:sp>
+        <p:nvSpPr>
+          <p:cNvPr id="7" name="TextBox 6"/>
+          <p:cNvSpPr txBox="1"/>
+          <p:nvPr/>
+        </p:nvSpPr>
+        <p:spPr>
+          <a:xfrm>
+            <a:off x="353673" y="728112"/>
+            <a:ext cx="9279847" cy="5047536"/>
+          </a:xfrm>
+          <a:prstGeom prst="rect">
+            <a:avLst/>
+          </a:prstGeom>
+          <a:noFill/>
+        </p:spPr>
+        <p:txBody>
+          <a:bodyPr wrap="square" rtlCol="0">
+            <a:spAutoFit/>
+          </a:bodyPr>
+          <a:lstStyle/>
+          <a:p>
+            <a:pPr marL="800100" lvl="1" indent="-342900">
+              <a:buFont typeface="+mj-lt"/>
+              <a:buAutoNum type="arabicPeriod"/>
+            </a:pPr>
+            <a:r>
+              <a:rPr lang="ko-KR" altLang="en-US" sz="1400" dirty="0" smtClean="0">
+                <a:latin typeface="D2Coding ligature" pitchFamily="49" charset="-127"/>
+                <a:ea typeface="D2Coding ligature" pitchFamily="49" charset="-127"/>
+              </a:rPr>
+              <a:t>투수들의 </a:t>
+            </a:r>
+            <a:r>
+              <a:rPr lang="ko-KR" altLang="en-US" sz="1400" dirty="0" err="1" smtClean="0">
+                <a:latin typeface="D2Coding ligature" pitchFamily="49" charset="-127"/>
+                <a:ea typeface="D2Coding ligature" pitchFamily="49" charset="-127"/>
+              </a:rPr>
+              <a:t>기록중에서</a:t>
+            </a:r>
+            <a:r>
+              <a:rPr lang="ko-KR" altLang="en-US" sz="1400" dirty="0" smtClean="0">
+                <a:latin typeface="D2Coding ligature" pitchFamily="49" charset="-127"/>
+                <a:ea typeface="D2Coding ligature" pitchFamily="49" charset="-127"/>
+              </a:rPr>
+              <a:t> 평균자책점</a:t>
+            </a:r>
+            <a:r>
+              <a:rPr lang="en-US" altLang="ko-KR" sz="1400" dirty="0" smtClean="0">
+                <a:latin typeface="D2Coding ligature" pitchFamily="49" charset="-127"/>
+                <a:ea typeface="D2Coding ligature" pitchFamily="49" charset="-127"/>
+              </a:rPr>
+              <a:t>(ERA), </a:t>
+            </a:r>
+            <a:r>
+              <a:rPr lang="ko-KR" altLang="en-US" sz="1400" dirty="0" err="1" smtClean="0">
+                <a:latin typeface="D2Coding ligature" pitchFamily="49" charset="-127"/>
+                <a:ea typeface="D2Coding ligature" pitchFamily="49" charset="-127"/>
+              </a:rPr>
+              <a:t>투구인닝</a:t>
+            </a:r>
+            <a:r>
+              <a:rPr lang="en-US" altLang="ko-KR" sz="1400" dirty="0" smtClean="0">
+                <a:latin typeface="D2Coding ligature" pitchFamily="49" charset="-127"/>
+                <a:ea typeface="D2Coding ligature" pitchFamily="49" charset="-127"/>
+              </a:rPr>
+              <a:t>(IP), </a:t>
+            </a:r>
+            <a:r>
+              <a:rPr lang="ko-KR" altLang="en-US" sz="1400" dirty="0" err="1" smtClean="0">
+                <a:latin typeface="D2Coding ligature" pitchFamily="49" charset="-127"/>
+                <a:ea typeface="D2Coding ligature" pitchFamily="49" charset="-127"/>
+              </a:rPr>
+              <a:t>탈삼진</a:t>
+            </a:r>
+            <a:r>
+              <a:rPr lang="en-US" altLang="ko-KR" sz="1400" dirty="0" smtClean="0">
+                <a:latin typeface="D2Coding ligature" pitchFamily="49" charset="-127"/>
+                <a:ea typeface="D2Coding ligature" pitchFamily="49" charset="-127"/>
+              </a:rPr>
+              <a:t>(SO) </a:t>
+            </a:r>
+            <a:r>
+              <a:rPr lang="ko-KR" altLang="en-US" sz="1400" dirty="0" smtClean="0">
+                <a:latin typeface="D2Coding ligature" pitchFamily="49" charset="-127"/>
+                <a:ea typeface="D2Coding ligature" pitchFamily="49" charset="-127"/>
+              </a:rPr>
+              <a:t>기록을 찾아서</a:t>
+            </a:r>
+            <a:r>
+              <a:rPr lang="en-US" altLang="ko-KR" sz="1400" dirty="0">
+                <a:latin typeface="D2Coding ligature" pitchFamily="49" charset="-127"/>
+                <a:ea typeface="D2Coding ligature" pitchFamily="49" charset="-127"/>
+              </a:rPr>
+              <a:t> </a:t>
+            </a:r>
+            <a:r>
+              <a:rPr lang="en-US" altLang="ko-KR" sz="1400" dirty="0" smtClean="0">
+                <a:latin typeface="D2Coding ligature" pitchFamily="49" charset="-127"/>
+                <a:ea typeface="D2Coding ligature" pitchFamily="49" charset="-127"/>
+              </a:rPr>
+              <a:t/>
+            </a:r>
+            <a:br>
+              <a:rPr lang="en-US" altLang="ko-KR" sz="1400" dirty="0" smtClean="0">
+                <a:latin typeface="D2Coding ligature" pitchFamily="49" charset="-127"/>
+                <a:ea typeface="D2Coding ligature" pitchFamily="49" charset="-127"/>
+              </a:rPr>
+            </a:br>
+            <a:r>
+              <a:rPr lang="en-US" altLang="ko-KR" sz="1400" dirty="0" err="1">
+                <a:latin typeface="D2Coding ligature" pitchFamily="49" charset="-127"/>
+                <a:ea typeface="D2Coding ligature" pitchFamily="49" charset="-127"/>
+              </a:rPr>
+              <a:t>P</a:t>
+            </a:r>
+            <a:r>
+              <a:rPr lang="en-US" altLang="ko-KR" sz="1400" dirty="0" err="1" smtClean="0">
+                <a:latin typeface="D2Coding ligature" pitchFamily="49" charset="-127"/>
+                <a:ea typeface="D2Coding ligature" pitchFamily="49" charset="-127"/>
+              </a:rPr>
+              <a:t>itcher_stats</a:t>
+            </a:r>
+            <a:r>
+              <a:rPr lang="en-US" altLang="ko-KR" sz="1400" dirty="0" smtClean="0">
+                <a:latin typeface="D2Coding ligature" pitchFamily="49" charset="-127"/>
+                <a:ea typeface="D2Coding ligature" pitchFamily="49" charset="-127"/>
+              </a:rPr>
+              <a:t> </a:t>
+            </a:r>
+            <a:r>
+              <a:rPr lang="ko-KR" altLang="en-US" sz="1400" dirty="0" smtClean="0">
+                <a:latin typeface="D2Coding ligature" pitchFamily="49" charset="-127"/>
+                <a:ea typeface="D2Coding ligature" pitchFamily="49" charset="-127"/>
+              </a:rPr>
+              <a:t>란 테이블을 만들고</a:t>
+            </a:r>
+            <a:r>
+              <a:rPr lang="en-US" altLang="ko-KR" sz="1400" dirty="0" smtClean="0">
+                <a:latin typeface="D2Coding ligature" pitchFamily="49" charset="-127"/>
+                <a:ea typeface="D2Coding ligature" pitchFamily="49" charset="-127"/>
+              </a:rPr>
+              <a:t>, Eagles </a:t>
+            </a:r>
+            <a:r>
+              <a:rPr lang="ko-KR" altLang="en-US" sz="1400" dirty="0" smtClean="0">
+                <a:latin typeface="D2Coding ligature" pitchFamily="49" charset="-127"/>
+                <a:ea typeface="D2Coding ligature" pitchFamily="49" charset="-127"/>
+              </a:rPr>
+              <a:t>테이블과 </a:t>
+            </a:r>
+            <a:r>
+              <a:rPr lang="en-US" altLang="ko-KR" sz="1400" dirty="0" smtClean="0">
+                <a:latin typeface="D2Coding ligature" pitchFamily="49" charset="-127"/>
+                <a:ea typeface="D2Coding ligature" pitchFamily="49" charset="-127"/>
+              </a:rPr>
+              <a:t>Join </a:t>
+            </a:r>
+            <a:r>
+              <a:rPr lang="ko-KR" altLang="en-US" sz="1400" dirty="0" smtClean="0">
+                <a:latin typeface="D2Coding ligature" pitchFamily="49" charset="-127"/>
+                <a:ea typeface="D2Coding ligature" pitchFamily="49" charset="-127"/>
+              </a:rPr>
+              <a:t>하여</a:t>
+            </a:r>
+            <a:r>
+              <a:rPr lang="en-US" altLang="ko-KR" sz="1400" dirty="0">
+                <a:latin typeface="D2Coding ligature" pitchFamily="49" charset="-127"/>
+                <a:ea typeface="D2Coding ligature" pitchFamily="49" charset="-127"/>
+              </a:rPr>
+              <a:t/>
+            </a:r>
+            <a:br>
+              <a:rPr lang="en-US" altLang="ko-KR" sz="1400" dirty="0">
+                <a:latin typeface="D2Coding ligature" pitchFamily="49" charset="-127"/>
+                <a:ea typeface="D2Coding ligature" pitchFamily="49" charset="-127"/>
+              </a:rPr>
+            </a:br>
+            <a:r>
+              <a:rPr lang="ko-KR" altLang="en-US" sz="1400" dirty="0" err="1" smtClean="0">
+                <a:latin typeface="D2Coding ligature" pitchFamily="49" charset="-127"/>
+                <a:ea typeface="D2Coding ligature" pitchFamily="49" charset="-127"/>
+              </a:rPr>
+              <a:t>백넘버</a:t>
+            </a:r>
+            <a:r>
+              <a:rPr lang="en-US" altLang="ko-KR" sz="1400" dirty="0" smtClean="0">
+                <a:latin typeface="D2Coding ligature" pitchFamily="49" charset="-127"/>
+                <a:ea typeface="D2Coding ligature" pitchFamily="49" charset="-127"/>
+              </a:rPr>
+              <a:t>, </a:t>
+            </a:r>
+            <a:r>
+              <a:rPr lang="ko-KR" altLang="en-US" sz="1400" dirty="0" err="1" smtClean="0">
+                <a:latin typeface="D2Coding ligature" pitchFamily="49" charset="-127"/>
+                <a:ea typeface="D2Coding ligature" pitchFamily="49" charset="-127"/>
+              </a:rPr>
+              <a:t>선수명</a:t>
+            </a:r>
+            <a:r>
+              <a:rPr lang="en-US" altLang="ko-KR" sz="1400" dirty="0" smtClean="0">
+                <a:latin typeface="D2Coding ligature" pitchFamily="49" charset="-127"/>
+                <a:ea typeface="D2Coding ligature" pitchFamily="49" charset="-127"/>
+              </a:rPr>
+              <a:t>, </a:t>
+            </a:r>
+            <a:r>
+              <a:rPr lang="ko-KR" altLang="en-US" sz="1400" dirty="0" smtClean="0">
+                <a:latin typeface="D2Coding ligature" pitchFamily="49" charset="-127"/>
+                <a:ea typeface="D2Coding ligature" pitchFamily="49" charset="-127"/>
+              </a:rPr>
+              <a:t>포지션</a:t>
+            </a:r>
+            <a:r>
+              <a:rPr lang="en-US" altLang="ko-KR" sz="1400" dirty="0" smtClean="0">
+                <a:latin typeface="D2Coding ligature" pitchFamily="49" charset="-127"/>
+                <a:ea typeface="D2Coding ligature" pitchFamily="49" charset="-127"/>
+              </a:rPr>
+              <a:t>, </a:t>
+            </a:r>
+            <a:r>
+              <a:rPr lang="ko-KR" altLang="en-US" sz="1400" dirty="0" err="1" smtClean="0">
+                <a:latin typeface="D2Coding ligature" pitchFamily="49" charset="-127"/>
+                <a:ea typeface="D2Coding ligature" pitchFamily="49" charset="-127"/>
+              </a:rPr>
+              <a:t>투구인닝</a:t>
+            </a:r>
+            <a:r>
+              <a:rPr lang="en-US" altLang="ko-KR" sz="1400" dirty="0" smtClean="0">
+                <a:latin typeface="D2Coding ligature" pitchFamily="49" charset="-127"/>
+                <a:ea typeface="D2Coding ligature" pitchFamily="49" charset="-127"/>
+              </a:rPr>
+              <a:t>, </a:t>
+            </a:r>
+            <a:r>
+              <a:rPr lang="ko-KR" altLang="en-US" sz="1400" dirty="0" smtClean="0">
+                <a:latin typeface="D2Coding ligature" pitchFamily="49" charset="-127"/>
+                <a:ea typeface="D2Coding ligature" pitchFamily="49" charset="-127"/>
+              </a:rPr>
+              <a:t>평균자책점</a:t>
+            </a:r>
+            <a:r>
+              <a:rPr lang="en-US" altLang="ko-KR" sz="1400" dirty="0" smtClean="0">
+                <a:latin typeface="D2Coding ligature" pitchFamily="49" charset="-127"/>
+                <a:ea typeface="D2Coding ligature" pitchFamily="49" charset="-127"/>
+              </a:rPr>
+              <a:t>, </a:t>
+            </a:r>
+            <a:r>
+              <a:rPr lang="ko-KR" altLang="en-US" sz="1400" dirty="0" err="1" smtClean="0">
+                <a:latin typeface="D2Coding ligature" pitchFamily="49" charset="-127"/>
+                <a:ea typeface="D2Coding ligature" pitchFamily="49" charset="-127"/>
+              </a:rPr>
+              <a:t>탈삼진</a:t>
+            </a:r>
+            <a:r>
+              <a:rPr lang="ko-KR" altLang="en-US" sz="1400" dirty="0" smtClean="0">
+                <a:latin typeface="D2Coding ligature" pitchFamily="49" charset="-127"/>
+                <a:ea typeface="D2Coding ligature" pitchFamily="49" charset="-127"/>
+              </a:rPr>
+              <a:t> 필드를 갖는 데이터 프레임을 만들어서</a:t>
+            </a:r>
+            <a:r>
+              <a:rPr lang="en-US" altLang="ko-KR" sz="1400" dirty="0">
+                <a:latin typeface="D2Coding ligature" pitchFamily="49" charset="-127"/>
+                <a:ea typeface="D2Coding ligature" pitchFamily="49" charset="-127"/>
+              </a:rPr>
+              <a:t/>
+            </a:r>
+            <a:br>
+              <a:rPr lang="en-US" altLang="ko-KR" sz="1400" dirty="0">
+                <a:latin typeface="D2Coding ligature" pitchFamily="49" charset="-127"/>
+                <a:ea typeface="D2Coding ligature" pitchFamily="49" charset="-127"/>
+              </a:rPr>
+            </a:br>
+            <a:r>
+              <a:rPr lang="en-US" altLang="ko-KR" sz="1400" dirty="0" smtClean="0">
+                <a:latin typeface="D2Coding ligature" pitchFamily="49" charset="-127"/>
+                <a:ea typeface="D2Coding ligature" pitchFamily="49" charset="-127"/>
+              </a:rPr>
+              <a:t>Join </a:t>
+            </a:r>
+            <a:r>
+              <a:rPr lang="ko-KR" altLang="en-US" sz="1400" dirty="0" smtClean="0">
+                <a:latin typeface="D2Coding ligature" pitchFamily="49" charset="-127"/>
+                <a:ea typeface="D2Coding ligature" pitchFamily="49" charset="-127"/>
+              </a:rPr>
+              <a:t>한 결과를 입력하고</a:t>
+            </a:r>
+            <a:r>
+              <a:rPr lang="en-US" altLang="ko-KR" sz="1400" dirty="0" smtClean="0">
+                <a:latin typeface="D2Coding ligature" pitchFamily="49" charset="-127"/>
+                <a:ea typeface="D2Coding ligature" pitchFamily="49" charset="-127"/>
+              </a:rPr>
+              <a:t>, </a:t>
+            </a:r>
+            <a:r>
+              <a:rPr lang="ko-KR" altLang="en-US" sz="1400" dirty="0" smtClean="0">
+                <a:latin typeface="D2Coding ligature" pitchFamily="49" charset="-127"/>
+                <a:ea typeface="D2Coding ligature" pitchFamily="49" charset="-127"/>
+              </a:rPr>
+              <a:t>그 결과를 보이시오</a:t>
+            </a:r>
+            <a:r>
+              <a:rPr lang="en-US" altLang="ko-KR" sz="1400" dirty="0" smtClean="0">
+                <a:latin typeface="D2Coding ligature" pitchFamily="49" charset="-127"/>
+                <a:ea typeface="D2Coding ligature" pitchFamily="49" charset="-127"/>
+              </a:rPr>
+              <a:t>.</a:t>
+            </a:r>
+            <a:endParaRPr lang="en-US" altLang="ko-KR" sz="1400" dirty="0">
+              <a:latin typeface="D2Coding ligature" pitchFamily="49" charset="-127"/>
+              <a:ea typeface="D2Coding ligature" pitchFamily="49" charset="-127"/>
+            </a:endParaRPr>
+          </a:p>
+          <a:p>
+            <a:pPr marL="800100" lvl="1" indent="-342900">
+              <a:buFont typeface="+mj-lt"/>
+              <a:buAutoNum type="arabicPeriod"/>
+            </a:pPr>
+            <a:endParaRPr lang="en-US" altLang="ko-KR" sz="1400" dirty="0">
+              <a:latin typeface="D2Coding ligature" pitchFamily="49" charset="-127"/>
+              <a:ea typeface="D2Coding ligature" pitchFamily="49" charset="-127"/>
+            </a:endParaRPr>
+          </a:p>
+          <a:p>
+            <a:pPr marL="800100" lvl="1" indent="-342900">
+              <a:buFont typeface="+mj-lt"/>
+              <a:buAutoNum type="arabicPeriod"/>
+            </a:pPr>
+            <a:r>
+              <a:rPr lang="ko-KR" altLang="en-US" sz="1400" dirty="0">
+                <a:latin typeface="D2Coding ligature" pitchFamily="49" charset="-127"/>
+                <a:ea typeface="D2Coding ligature" pitchFamily="49" charset="-127"/>
+              </a:rPr>
+              <a:t>다음의 지시대로 </a:t>
+            </a:r>
+            <a:r>
+              <a:rPr lang="en-US" altLang="ko-KR" sz="1400" dirty="0" smtClean="0">
+                <a:latin typeface="D2Coding ligature" pitchFamily="49" charset="-127"/>
+                <a:ea typeface="D2Coding ligature" pitchFamily="49" charset="-127"/>
+              </a:rPr>
+              <a:t>DB </a:t>
+            </a:r>
+            <a:r>
+              <a:rPr lang="ko-KR" altLang="en-US" sz="1400" dirty="0" smtClean="0">
+                <a:latin typeface="D2Coding ligature" pitchFamily="49" charset="-127"/>
+                <a:ea typeface="D2Coding ligature" pitchFamily="49" charset="-127"/>
+              </a:rPr>
+              <a:t>테이블을 만들고 이를 조회하는</a:t>
+            </a:r>
+            <a:r>
+              <a:rPr lang="ko-KR" altLang="en-US" sz="1400" dirty="0" smtClean="0">
+                <a:latin typeface="D2Coding ligature" pitchFamily="49" charset="-127"/>
+                <a:ea typeface="D2Coding ligature" pitchFamily="49" charset="-127"/>
+              </a:rPr>
+              <a:t> 프로그램을 </a:t>
+            </a:r>
+            <a:r>
+              <a:rPr lang="ko-KR" altLang="en-US" sz="1400" dirty="0">
+                <a:latin typeface="D2Coding ligature" pitchFamily="49" charset="-127"/>
+                <a:ea typeface="D2Coding ligature" pitchFamily="49" charset="-127"/>
+              </a:rPr>
+              <a:t>만드시오</a:t>
+            </a:r>
+            <a:r>
+              <a:rPr lang="en-US" altLang="ko-KR" sz="1400" dirty="0" smtClean="0">
+                <a:latin typeface="D2Coding ligature" pitchFamily="49" charset="-127"/>
+                <a:ea typeface="D2Coding ligature" pitchFamily="49" charset="-127"/>
+              </a:rPr>
+              <a:t>.</a:t>
+            </a:r>
+          </a:p>
+          <a:p>
+            <a:pPr marL="1257300" lvl="2" indent="-342900">
+              <a:buFont typeface="D2Coding ligature" pitchFamily="49" charset="-127"/>
+              <a:buChar char="-"/>
+            </a:pPr>
+            <a:r>
+              <a:rPr lang="ko-KR" altLang="en-US" sz="1400" dirty="0" smtClean="0">
+                <a:latin typeface="D2Coding ligature" pitchFamily="49" charset="-127"/>
+                <a:ea typeface="D2Coding ligature" pitchFamily="49" charset="-127"/>
+              </a:rPr>
+              <a:t>국내의 대표적인 </a:t>
+            </a:r>
+            <a:r>
+              <a:rPr lang="ko-KR" altLang="en-US" sz="1400" dirty="0" err="1" smtClean="0">
+                <a:latin typeface="D2Coding ligature" pitchFamily="49" charset="-127"/>
+                <a:ea typeface="D2Coding ligature" pitchFamily="49" charset="-127"/>
+              </a:rPr>
+              <a:t>걸그룹</a:t>
+            </a:r>
+            <a:r>
+              <a:rPr lang="ko-KR" altLang="en-US" sz="1400" dirty="0" smtClean="0">
+                <a:latin typeface="D2Coding ligature" pitchFamily="49" charset="-127"/>
+                <a:ea typeface="D2Coding ligature" pitchFamily="49" charset="-127"/>
+              </a:rPr>
+              <a:t> 또는 </a:t>
+            </a:r>
+            <a:r>
+              <a:rPr lang="ko-KR" altLang="en-US" sz="1400" dirty="0" err="1" smtClean="0">
+                <a:latin typeface="D2Coding ligature" pitchFamily="49" charset="-127"/>
+                <a:ea typeface="D2Coding ligature" pitchFamily="49" charset="-127"/>
+              </a:rPr>
+              <a:t>보이그룹</a:t>
+            </a:r>
+            <a:r>
+              <a:rPr lang="ko-KR" altLang="en-US" sz="1400" dirty="0" smtClean="0">
+                <a:latin typeface="D2Coding ligature" pitchFamily="49" charset="-127"/>
+                <a:ea typeface="D2Coding ligature" pitchFamily="49" charset="-127"/>
+              </a:rPr>
+              <a:t> </a:t>
+            </a:r>
+            <a:r>
+              <a:rPr lang="en-US" altLang="ko-KR" sz="1400" dirty="0" smtClean="0">
+                <a:latin typeface="D2Coding ligature" pitchFamily="49" charset="-127"/>
+                <a:ea typeface="D2Coding ligature" pitchFamily="49" charset="-127"/>
+              </a:rPr>
+              <a:t>5</a:t>
+            </a:r>
+            <a:r>
+              <a:rPr lang="ko-KR" altLang="en-US" sz="1400" dirty="0" smtClean="0">
+                <a:latin typeface="D2Coding ligature" pitchFamily="49" charset="-127"/>
+                <a:ea typeface="D2Coding ligature" pitchFamily="49" charset="-127"/>
+              </a:rPr>
+              <a:t>개 이상에 대하여 다음과 같은 정보를 갖는 테이블을 만드시오</a:t>
+            </a:r>
+            <a:r>
+              <a:rPr lang="en-US" altLang="ko-KR" sz="1400" dirty="0" smtClean="0">
+                <a:latin typeface="D2Coding ligature" pitchFamily="49" charset="-127"/>
+                <a:ea typeface="D2Coding ligature" pitchFamily="49" charset="-127"/>
+              </a:rPr>
+              <a:t>. *</a:t>
+            </a:r>
+            <a:r>
+              <a:rPr lang="ko-KR" altLang="en-US" sz="1400" dirty="0" smtClean="0">
+                <a:latin typeface="D2Coding ligature" pitchFamily="49" charset="-127"/>
+                <a:ea typeface="D2Coding ligature" pitchFamily="49" charset="-127"/>
+              </a:rPr>
+              <a:t>는 </a:t>
+            </a:r>
+            <a:r>
+              <a:rPr lang="en-US" altLang="ko-KR" sz="1400" dirty="0" smtClean="0">
+                <a:latin typeface="D2Coding ligature" pitchFamily="49" charset="-127"/>
+                <a:ea typeface="D2Coding ligature" pitchFamily="49" charset="-127"/>
+              </a:rPr>
+              <a:t>Primary Key</a:t>
+            </a:r>
+            <a:br>
+              <a:rPr lang="en-US" altLang="ko-KR" sz="1400" dirty="0" smtClean="0">
+                <a:latin typeface="D2Coding ligature" pitchFamily="49" charset="-127"/>
+                <a:ea typeface="D2Coding ligature" pitchFamily="49" charset="-127"/>
+              </a:rPr>
+            </a:br>
+            <a:r>
+              <a:rPr lang="en-US" altLang="ko-KR" sz="1400" dirty="0" smtClean="0">
+                <a:latin typeface="D2Coding ligature" pitchFamily="49" charset="-127"/>
+                <a:ea typeface="D2Coding ligature" pitchFamily="49" charset="-127"/>
+              </a:rPr>
+              <a:t/>
+            </a:r>
+            <a:br>
+              <a:rPr lang="en-US" altLang="ko-KR" sz="1400" dirty="0" smtClean="0">
+                <a:latin typeface="D2Coding ligature" pitchFamily="49" charset="-127"/>
+                <a:ea typeface="D2Coding ligature" pitchFamily="49" charset="-127"/>
+              </a:rPr>
+            </a:br>
+            <a:r>
+              <a:rPr lang="en-US" altLang="ko-KR" sz="1400" dirty="0" smtClean="0">
+                <a:latin typeface="D2Coding ligature" pitchFamily="49" charset="-127"/>
+                <a:ea typeface="D2Coding ligature" pitchFamily="49" charset="-127"/>
+              </a:rPr>
+              <a:t>id(*), </a:t>
+            </a:r>
+            <a:r>
+              <a:rPr lang="en-US" altLang="ko-KR" sz="1400" dirty="0" err="1" smtClean="0">
+                <a:latin typeface="D2Coding ligature" pitchFamily="49" charset="-127"/>
+                <a:ea typeface="D2Coding ligature" pitchFamily="49" charset="-127"/>
+              </a:rPr>
+              <a:t>group_name</a:t>
+            </a:r>
+            <a:r>
+              <a:rPr lang="en-US" altLang="ko-KR" sz="1400" dirty="0" smtClean="0">
+                <a:latin typeface="D2Coding ligature" pitchFamily="49" charset="-127"/>
+                <a:ea typeface="D2Coding ligature" pitchFamily="49" charset="-127"/>
+              </a:rPr>
+              <a:t>, </a:t>
+            </a:r>
+            <a:r>
+              <a:rPr lang="ko-KR" altLang="en-US" sz="1400" dirty="0" smtClean="0">
+                <a:latin typeface="D2Coding ligature" pitchFamily="49" charset="-127"/>
+                <a:ea typeface="D2Coding ligature" pitchFamily="49" charset="-127"/>
+              </a:rPr>
+              <a:t>구성원 수</a:t>
+            </a:r>
+            <a:r>
+              <a:rPr lang="en-US" altLang="ko-KR" sz="1400" dirty="0" smtClean="0">
+                <a:latin typeface="D2Coding ligature" pitchFamily="49" charset="-127"/>
+                <a:ea typeface="D2Coding ligature" pitchFamily="49" charset="-127"/>
+              </a:rPr>
+              <a:t>, </a:t>
+            </a:r>
+            <a:r>
+              <a:rPr lang="ko-KR" altLang="en-US" sz="1400" dirty="0" smtClean="0">
+                <a:latin typeface="D2Coding ligature" pitchFamily="49" charset="-127"/>
+                <a:ea typeface="D2Coding ligature" pitchFamily="49" charset="-127"/>
+              </a:rPr>
+              <a:t>데뷔일자</a:t>
+            </a:r>
+            <a:r>
+              <a:rPr lang="en-US" altLang="ko-KR" sz="1400" dirty="0" smtClean="0">
+                <a:latin typeface="D2Coding ligature" pitchFamily="49" charset="-127"/>
+                <a:ea typeface="D2Coding ligature" pitchFamily="49" charset="-127"/>
+              </a:rPr>
+              <a:t>, </a:t>
+            </a:r>
+            <a:r>
+              <a:rPr lang="ko-KR" altLang="en-US" sz="1400" dirty="0" err="1" smtClean="0">
+                <a:latin typeface="D2Coding ligature" pitchFamily="49" charset="-127"/>
+                <a:ea typeface="D2Coding ligature" pitchFamily="49" charset="-127"/>
+              </a:rPr>
+              <a:t>소속사</a:t>
+            </a:r>
+            <a:endParaRPr lang="en-US" altLang="ko-KR" sz="1400" dirty="0" smtClean="0">
+              <a:latin typeface="D2Coding ligature" pitchFamily="49" charset="-127"/>
+              <a:ea typeface="D2Coding ligature" pitchFamily="49" charset="-127"/>
+            </a:endParaRPr>
+          </a:p>
+          <a:p>
+            <a:pPr marL="1257300" lvl="2" indent="-342900">
+              <a:buFont typeface="D2Coding ligature" pitchFamily="49" charset="-127"/>
+              <a:buChar char="-"/>
+            </a:pPr>
+            <a:endParaRPr lang="en-US" altLang="ko-KR" sz="1400" dirty="0" smtClean="0">
+              <a:latin typeface="D2Coding ligature" pitchFamily="49" charset="-127"/>
+              <a:ea typeface="D2Coding ligature" pitchFamily="49" charset="-127"/>
+            </a:endParaRPr>
+          </a:p>
+          <a:p>
+            <a:pPr marL="1257300" lvl="2" indent="-342900">
+              <a:buFont typeface="D2Coding ligature" pitchFamily="49" charset="-127"/>
+              <a:buChar char="-"/>
+            </a:pPr>
+            <a:r>
+              <a:rPr lang="ko-KR" altLang="en-US" sz="1400" dirty="0" smtClean="0">
+                <a:latin typeface="D2Coding ligature" pitchFamily="49" charset="-127"/>
+                <a:ea typeface="D2Coding ligature" pitchFamily="49" charset="-127"/>
+              </a:rPr>
+              <a:t>이들이 불렀던 노래 또는 다른 사람이 불렀던 노래 </a:t>
+            </a:r>
+            <a:r>
+              <a:rPr lang="en-US" altLang="ko-KR" sz="1400" dirty="0" smtClean="0">
+                <a:latin typeface="D2Coding ligature" pitchFamily="49" charset="-127"/>
+                <a:ea typeface="D2Coding ligature" pitchFamily="49" charset="-127"/>
+              </a:rPr>
+              <a:t>10</a:t>
+            </a:r>
+            <a:r>
+              <a:rPr lang="ko-KR" altLang="en-US" sz="1400" dirty="0" smtClean="0">
+                <a:latin typeface="D2Coding ligature" pitchFamily="49" charset="-127"/>
+                <a:ea typeface="D2Coding ligature" pitchFamily="49" charset="-127"/>
+              </a:rPr>
+              <a:t>곡 이상에 대하여 다음의 정보를 갖는 테이블을 만드시오</a:t>
+            </a:r>
+            <a:r>
+              <a:rPr lang="en-US" altLang="ko-KR" sz="1400" dirty="0" smtClean="0">
+                <a:latin typeface="D2Coding ligature" pitchFamily="49" charset="-127"/>
+                <a:ea typeface="D2Coding ligature" pitchFamily="49" charset="-127"/>
+              </a:rPr>
+              <a:t>.</a:t>
+            </a:r>
+            <a:br>
+              <a:rPr lang="en-US" altLang="ko-KR" sz="1400" dirty="0" smtClean="0">
+                <a:latin typeface="D2Coding ligature" pitchFamily="49" charset="-127"/>
+                <a:ea typeface="D2Coding ligature" pitchFamily="49" charset="-127"/>
+              </a:rPr>
+            </a:br>
+            <a:r>
+              <a:rPr lang="en-US" altLang="ko-KR" sz="1400" dirty="0" smtClean="0">
+                <a:latin typeface="D2Coding ligature" pitchFamily="49" charset="-127"/>
+                <a:ea typeface="D2Coding ligature" pitchFamily="49" charset="-127"/>
+              </a:rPr>
+              <a:t/>
+            </a:r>
+            <a:br>
+              <a:rPr lang="en-US" altLang="ko-KR" sz="1400" dirty="0" smtClean="0">
+                <a:latin typeface="D2Coding ligature" pitchFamily="49" charset="-127"/>
+                <a:ea typeface="D2Coding ligature" pitchFamily="49" charset="-127"/>
+              </a:rPr>
+            </a:br>
+            <a:r>
+              <a:rPr lang="en-US" altLang="ko-KR" sz="1400" dirty="0" err="1" smtClean="0">
+                <a:latin typeface="D2Coding ligature" pitchFamily="49" charset="-127"/>
+                <a:ea typeface="D2Coding ligature" pitchFamily="49" charset="-127"/>
+              </a:rPr>
+              <a:t>song_id</a:t>
+            </a:r>
+            <a:r>
+              <a:rPr lang="en-US" altLang="ko-KR" sz="1400" dirty="0" smtClean="0">
+                <a:latin typeface="D2Coding ligature" pitchFamily="49" charset="-127"/>
+                <a:ea typeface="D2Coding ligature" pitchFamily="49" charset="-127"/>
+              </a:rPr>
+              <a:t>(*), </a:t>
+            </a:r>
+            <a:r>
+              <a:rPr lang="en-US" altLang="ko-KR" sz="1400" dirty="0" err="1" smtClean="0">
+                <a:latin typeface="D2Coding ligature" pitchFamily="49" charset="-127"/>
+                <a:ea typeface="D2Coding ligature" pitchFamily="49" charset="-127"/>
+              </a:rPr>
+              <a:t>song_name</a:t>
+            </a:r>
+            <a:r>
+              <a:rPr lang="en-US" altLang="ko-KR" sz="1400" dirty="0" smtClean="0">
+                <a:latin typeface="D2Coding ligature" pitchFamily="49" charset="-127"/>
+                <a:ea typeface="D2Coding ligature" pitchFamily="49" charset="-127"/>
+              </a:rPr>
+              <a:t>, </a:t>
+            </a:r>
+            <a:r>
+              <a:rPr lang="ko-KR" altLang="en-US" sz="1400" dirty="0" smtClean="0">
+                <a:latin typeface="D2Coding ligature" pitchFamily="49" charset="-127"/>
+                <a:ea typeface="D2Coding ligature" pitchFamily="49" charset="-127"/>
+              </a:rPr>
+              <a:t>그룹 </a:t>
+            </a:r>
+            <a:r>
+              <a:rPr lang="en-US" altLang="ko-KR" sz="1400" dirty="0" smtClean="0">
+                <a:latin typeface="D2Coding ligature" pitchFamily="49" charset="-127"/>
+                <a:ea typeface="D2Coding ligature" pitchFamily="49" charset="-127"/>
+              </a:rPr>
+              <a:t>id, </a:t>
+            </a:r>
+            <a:r>
+              <a:rPr lang="ko-KR" altLang="en-US" sz="1400" dirty="0" err="1" smtClean="0">
+                <a:latin typeface="D2Coding ligature" pitchFamily="49" charset="-127"/>
+                <a:ea typeface="D2Coding ligature" pitchFamily="49" charset="-127"/>
+              </a:rPr>
+              <a:t>발표년도</a:t>
+            </a:r>
+            <a:r>
+              <a:rPr lang="en-US" altLang="ko-KR" sz="1400" dirty="0" smtClean="0">
+                <a:latin typeface="D2Coding ligature" pitchFamily="49" charset="-127"/>
+                <a:ea typeface="D2Coding ligature" pitchFamily="49" charset="-127"/>
+              </a:rPr>
+              <a:t>, </a:t>
+            </a:r>
+            <a:r>
+              <a:rPr lang="ko-KR" altLang="en-US" sz="1400" dirty="0" smtClean="0">
+                <a:latin typeface="D2Coding ligature" pitchFamily="49" charset="-127"/>
+                <a:ea typeface="D2Coding ligature" pitchFamily="49" charset="-127"/>
+              </a:rPr>
+              <a:t>작곡가</a:t>
+            </a:r>
+            <a:r>
+              <a:rPr lang="en-US" altLang="ko-KR" sz="1400" dirty="0" smtClean="0">
+                <a:latin typeface="D2Coding ligature" pitchFamily="49" charset="-127"/>
+                <a:ea typeface="D2Coding ligature" pitchFamily="49" charset="-127"/>
+              </a:rPr>
+              <a:t>, </a:t>
+            </a:r>
+            <a:r>
+              <a:rPr lang="ko-KR" altLang="en-US" sz="1400" dirty="0" smtClean="0">
+                <a:latin typeface="D2Coding ligature" pitchFamily="49" charset="-127"/>
+                <a:ea typeface="D2Coding ligature" pitchFamily="49" charset="-127"/>
+              </a:rPr>
+              <a:t>도입부 가사</a:t>
+            </a:r>
+            <a:endParaRPr lang="en-US" altLang="ko-KR" sz="1400" dirty="0" smtClean="0">
+              <a:latin typeface="D2Coding ligature" pitchFamily="49" charset="-127"/>
+              <a:ea typeface="D2Coding ligature" pitchFamily="49" charset="-127"/>
+            </a:endParaRPr>
+          </a:p>
+          <a:p>
+            <a:pPr marL="1257300" lvl="2" indent="-342900">
+              <a:buFont typeface="D2Coding ligature" pitchFamily="49" charset="-127"/>
+              <a:buChar char="-"/>
+            </a:pPr>
+            <a:endParaRPr lang="en-US" altLang="ko-KR" sz="1400" dirty="0">
+              <a:latin typeface="D2Coding ligature" pitchFamily="49" charset="-127"/>
+              <a:ea typeface="D2Coding ligature" pitchFamily="49" charset="-127"/>
+            </a:endParaRPr>
+          </a:p>
+          <a:p>
+            <a:pPr marL="1257300" lvl="2" indent="-342900">
+              <a:buFont typeface="D2Coding ligature" pitchFamily="49" charset="-127"/>
+              <a:buChar char="-"/>
+            </a:pPr>
+            <a:r>
+              <a:rPr lang="ko-KR" altLang="en-US" sz="1400" dirty="0" smtClean="0">
+                <a:latin typeface="D2Coding ligature" pitchFamily="49" charset="-127"/>
+                <a:ea typeface="D2Coding ligature" pitchFamily="49" charset="-127"/>
+              </a:rPr>
+              <a:t>위 </a:t>
+            </a:r>
+            <a:r>
+              <a:rPr lang="ko-KR" altLang="en-US" sz="1400" dirty="0" err="1" smtClean="0">
+                <a:latin typeface="D2Coding ligature" pitchFamily="49" charset="-127"/>
+                <a:ea typeface="D2Coding ligature" pitchFamily="49" charset="-127"/>
+              </a:rPr>
+              <a:t>두개의</a:t>
+            </a:r>
+            <a:r>
+              <a:rPr lang="ko-KR" altLang="en-US" sz="1400" dirty="0" smtClean="0">
+                <a:latin typeface="D2Coding ligature" pitchFamily="49" charset="-127"/>
+                <a:ea typeface="D2Coding ligature" pitchFamily="49" charset="-127"/>
+              </a:rPr>
+              <a:t> 테이블을 조인한 결과를 가지고 다음의 필드를 갖는 데이터 프레임을 만드시오</a:t>
+            </a:r>
+            <a:r>
+              <a:rPr lang="en-US" altLang="ko-KR" sz="1400" dirty="0" smtClean="0">
+                <a:latin typeface="D2Coding ligature" pitchFamily="49" charset="-127"/>
+                <a:ea typeface="D2Coding ligature" pitchFamily="49" charset="-127"/>
+              </a:rPr>
+              <a:t>.</a:t>
+            </a:r>
+            <a:br>
+              <a:rPr lang="en-US" altLang="ko-KR" sz="1400" dirty="0" smtClean="0">
+                <a:latin typeface="D2Coding ligature" pitchFamily="49" charset="-127"/>
+                <a:ea typeface="D2Coding ligature" pitchFamily="49" charset="-127"/>
+              </a:rPr>
+            </a:br>
+            <a:r>
+              <a:rPr lang="en-US" altLang="ko-KR" sz="1400" dirty="0" smtClean="0">
+                <a:latin typeface="D2Coding ligature" pitchFamily="49" charset="-127"/>
+                <a:ea typeface="D2Coding ligature" pitchFamily="49" charset="-127"/>
+              </a:rPr>
+              <a:t/>
+            </a:r>
+            <a:br>
+              <a:rPr lang="en-US" altLang="ko-KR" sz="1400" dirty="0" smtClean="0">
+                <a:latin typeface="D2Coding ligature" pitchFamily="49" charset="-127"/>
+                <a:ea typeface="D2Coding ligature" pitchFamily="49" charset="-127"/>
+              </a:rPr>
+            </a:br>
+            <a:r>
+              <a:rPr lang="ko-KR" altLang="en-US" sz="1400" dirty="0" smtClean="0">
+                <a:latin typeface="D2Coding ligature" pitchFamily="49" charset="-127"/>
+                <a:ea typeface="D2Coding ligature" pitchFamily="49" charset="-127"/>
+              </a:rPr>
+              <a:t>그룹 이름</a:t>
+            </a:r>
+            <a:r>
+              <a:rPr lang="en-US" altLang="ko-KR" sz="1400" dirty="0" smtClean="0">
+                <a:latin typeface="D2Coding ligature" pitchFamily="49" charset="-127"/>
+                <a:ea typeface="D2Coding ligature" pitchFamily="49" charset="-127"/>
+              </a:rPr>
+              <a:t>, </a:t>
+            </a:r>
+            <a:r>
+              <a:rPr lang="ko-KR" altLang="en-US" sz="1400" dirty="0" smtClean="0">
+                <a:latin typeface="D2Coding ligature" pitchFamily="49" charset="-127"/>
+                <a:ea typeface="D2Coding ligature" pitchFamily="49" charset="-127"/>
+              </a:rPr>
+              <a:t>구성원 수</a:t>
+            </a:r>
+            <a:r>
+              <a:rPr lang="en-US" altLang="ko-KR" sz="1400" dirty="0" smtClean="0">
+                <a:latin typeface="D2Coding ligature" pitchFamily="49" charset="-127"/>
+                <a:ea typeface="D2Coding ligature" pitchFamily="49" charset="-127"/>
+              </a:rPr>
+              <a:t>, </a:t>
+            </a:r>
+            <a:r>
+              <a:rPr lang="ko-KR" altLang="en-US" sz="1400" dirty="0" smtClean="0">
+                <a:latin typeface="D2Coding ligature" pitchFamily="49" charset="-127"/>
+                <a:ea typeface="D2Coding ligature" pitchFamily="49" charset="-127"/>
+              </a:rPr>
+              <a:t>데뷔 일자</a:t>
+            </a:r>
+            <a:r>
+              <a:rPr lang="en-US" altLang="ko-KR" sz="1400" dirty="0" smtClean="0">
+                <a:latin typeface="D2Coding ligature" pitchFamily="49" charset="-127"/>
+                <a:ea typeface="D2Coding ligature" pitchFamily="49" charset="-127"/>
+              </a:rPr>
+              <a:t>, </a:t>
+            </a:r>
+            <a:r>
+              <a:rPr lang="ko-KR" altLang="en-US" sz="1400" dirty="0" smtClean="0">
+                <a:latin typeface="D2Coding ligature" pitchFamily="49" charset="-127"/>
+                <a:ea typeface="D2Coding ligature" pitchFamily="49" charset="-127"/>
+              </a:rPr>
+              <a:t>노래 이름</a:t>
+            </a:r>
+            <a:r>
+              <a:rPr lang="en-US" altLang="ko-KR" sz="1400" dirty="0" smtClean="0">
+                <a:latin typeface="D2Coding ligature" pitchFamily="49" charset="-127"/>
+                <a:ea typeface="D2Coding ligature" pitchFamily="49" charset="-127"/>
+              </a:rPr>
+              <a:t>, </a:t>
+            </a:r>
+            <a:r>
+              <a:rPr lang="ko-KR" altLang="en-US" sz="1400" dirty="0" smtClean="0">
+                <a:latin typeface="D2Coding ligature" pitchFamily="49" charset="-127"/>
+                <a:ea typeface="D2Coding ligature" pitchFamily="49" charset="-127"/>
+              </a:rPr>
+              <a:t>발표 년도</a:t>
+            </a:r>
+            <a:endParaRPr lang="en-US" altLang="ko-KR" sz="1400" dirty="0" smtClean="0">
+              <a:latin typeface="D2Coding ligature" pitchFamily="49" charset="-127"/>
+              <a:ea typeface="D2Coding ligature" pitchFamily="49" charset="-127"/>
+            </a:endParaRPr>
+          </a:p>
+          <a:p>
+            <a:pPr marL="1257300" lvl="2" indent="-342900">
+              <a:buFont typeface="D2Coding ligature" pitchFamily="49" charset="-127"/>
+              <a:buChar char="-"/>
+            </a:pPr>
+            <a:endParaRPr lang="en-US" altLang="ko-KR" sz="1400" dirty="0">
+              <a:latin typeface="D2Coding ligature" pitchFamily="49" charset="-127"/>
+              <a:ea typeface="D2Coding ligature" pitchFamily="49" charset="-127"/>
+            </a:endParaRPr>
+          </a:p>
+          <a:p>
+            <a:pPr marL="800100" lvl="1" indent="-342900">
+              <a:buFont typeface="+mj-lt"/>
+              <a:buAutoNum type="arabicPeriod"/>
+            </a:pPr>
+            <a:r>
+              <a:rPr lang="ko-KR" altLang="en-US" sz="1400" dirty="0" smtClean="0">
+                <a:latin typeface="D2Coding ligature" pitchFamily="49" charset="-127"/>
+                <a:ea typeface="D2Coding ligature" pitchFamily="49" charset="-127"/>
+              </a:rPr>
+              <a:t>사용자의 이름과</a:t>
+            </a:r>
+            <a:r>
+              <a:rPr lang="en-US" altLang="ko-KR" sz="1400" dirty="0" smtClean="0">
+                <a:latin typeface="D2Coding ligature" pitchFamily="49" charset="-127"/>
+                <a:ea typeface="D2Coding ligature" pitchFamily="49" charset="-127"/>
+              </a:rPr>
+              <a:t>, </a:t>
+            </a:r>
+            <a:r>
+              <a:rPr lang="ko-KR" altLang="en-US" sz="1400" dirty="0" smtClean="0">
+                <a:latin typeface="D2Coding ligature" pitchFamily="49" charset="-127"/>
+                <a:ea typeface="D2Coding ligature" pitchFamily="49" charset="-127"/>
+              </a:rPr>
+              <a:t>비밀번호를 갖는 </a:t>
+            </a:r>
+            <a:r>
+              <a:rPr lang="en-US" altLang="ko-KR" sz="1400" dirty="0" smtClean="0">
+                <a:latin typeface="D2Coding ligature" pitchFamily="49" charset="-127"/>
+                <a:ea typeface="D2Coding ligature" pitchFamily="49" charset="-127"/>
+              </a:rPr>
+              <a:t>Users </a:t>
+            </a:r>
+            <a:r>
+              <a:rPr lang="ko-KR" altLang="en-US" sz="1400" dirty="0" smtClean="0">
+                <a:latin typeface="D2Coding ligature" pitchFamily="49" charset="-127"/>
+                <a:ea typeface="D2Coding ligature" pitchFamily="49" charset="-127"/>
+              </a:rPr>
+              <a:t>테이블이 있다</a:t>
+            </a:r>
+            <a:r>
+              <a:rPr lang="en-US" altLang="ko-KR" sz="1400" dirty="0" smtClean="0">
+                <a:latin typeface="D2Coding ligature" pitchFamily="49" charset="-127"/>
+                <a:ea typeface="D2Coding ligature" pitchFamily="49" charset="-127"/>
+              </a:rPr>
+              <a:t>.</a:t>
+            </a:r>
+            <a:br>
+              <a:rPr lang="en-US" altLang="ko-KR" sz="1400" dirty="0" smtClean="0">
+                <a:latin typeface="D2Coding ligature" pitchFamily="49" charset="-127"/>
+                <a:ea typeface="D2Coding ligature" pitchFamily="49" charset="-127"/>
+              </a:rPr>
+            </a:br>
+            <a:r>
+              <a:rPr lang="ko-KR" altLang="en-US" sz="1400" dirty="0" smtClean="0">
+                <a:latin typeface="D2Coding ligature" pitchFamily="49" charset="-127"/>
+                <a:ea typeface="D2Coding ligature" pitchFamily="49" charset="-127"/>
+              </a:rPr>
+              <a:t>사용자의 이름과 비밀번호를 올바르게 입력하면 </a:t>
+            </a:r>
+            <a:r>
+              <a:rPr lang="en-US" altLang="ko-KR" sz="1400" dirty="0" smtClean="0">
+                <a:latin typeface="D2Coding ligature" pitchFamily="49" charset="-127"/>
+                <a:ea typeface="D2Coding ligature" pitchFamily="49" charset="-127"/>
+              </a:rPr>
+              <a:t>‘</a:t>
+            </a:r>
+            <a:r>
+              <a:rPr lang="ko-KR" altLang="en-US" sz="1400" dirty="0" smtClean="0">
+                <a:latin typeface="D2Coding ligature" pitchFamily="49" charset="-127"/>
+                <a:ea typeface="D2Coding ligature" pitchFamily="49" charset="-127"/>
+              </a:rPr>
+              <a:t>성공</a:t>
+            </a:r>
+            <a:r>
+              <a:rPr lang="en-US" altLang="ko-KR" sz="1400" dirty="0" smtClean="0">
+                <a:latin typeface="D2Coding ligature" pitchFamily="49" charset="-127"/>
+                <a:ea typeface="D2Coding ligature" pitchFamily="49" charset="-127"/>
+              </a:rPr>
+              <a:t>’</a:t>
+            </a:r>
+            <a:r>
+              <a:rPr lang="ko-KR" altLang="en-US" sz="1400" dirty="0" smtClean="0">
+                <a:latin typeface="D2Coding ligature" pitchFamily="49" charset="-127"/>
+                <a:ea typeface="D2Coding ligature" pitchFamily="49" charset="-127"/>
+              </a:rPr>
+              <a:t>을 출력하고</a:t>
+            </a:r>
+            <a:r>
+              <a:rPr lang="en-US" altLang="ko-KR" sz="1400" dirty="0" smtClean="0">
+                <a:latin typeface="D2Coding ligature" pitchFamily="49" charset="-127"/>
+                <a:ea typeface="D2Coding ligature" pitchFamily="49" charset="-127"/>
+              </a:rPr>
+              <a:t>,</a:t>
+            </a:r>
+            <a:br>
+              <a:rPr lang="en-US" altLang="ko-KR" sz="1400" dirty="0" smtClean="0">
+                <a:latin typeface="D2Coding ligature" pitchFamily="49" charset="-127"/>
+                <a:ea typeface="D2Coding ligature" pitchFamily="49" charset="-127"/>
+              </a:rPr>
+            </a:br>
+            <a:r>
+              <a:rPr lang="ko-KR" altLang="en-US" sz="1400" dirty="0" smtClean="0">
+                <a:latin typeface="D2Coding ligature" pitchFamily="49" charset="-127"/>
+                <a:ea typeface="D2Coding ligature" pitchFamily="49" charset="-127"/>
+              </a:rPr>
+              <a:t>잘못 입력하면 </a:t>
+            </a:r>
+            <a:r>
+              <a:rPr lang="en-US" altLang="ko-KR" sz="1400" dirty="0" smtClean="0">
+                <a:latin typeface="D2Coding ligature" pitchFamily="49" charset="-127"/>
+                <a:ea typeface="D2Coding ligature" pitchFamily="49" charset="-127"/>
+              </a:rPr>
+              <a:t>‘</a:t>
+            </a:r>
+            <a:r>
+              <a:rPr lang="ko-KR" altLang="en-US" sz="1400" dirty="0" smtClean="0">
+                <a:latin typeface="D2Coding ligature" pitchFamily="49" charset="-127"/>
+                <a:ea typeface="D2Coding ligature" pitchFamily="49" charset="-127"/>
+              </a:rPr>
+              <a:t>실패</a:t>
+            </a:r>
+            <a:r>
+              <a:rPr lang="en-US" altLang="ko-KR" sz="1400" dirty="0" smtClean="0">
+                <a:latin typeface="D2Coding ligature" pitchFamily="49" charset="-127"/>
+                <a:ea typeface="D2Coding ligature" pitchFamily="49" charset="-127"/>
+              </a:rPr>
+              <a:t>’</a:t>
+            </a:r>
+            <a:r>
+              <a:rPr lang="ko-KR" altLang="en-US" sz="1400" dirty="0" smtClean="0">
+                <a:latin typeface="D2Coding ligature" pitchFamily="49" charset="-127"/>
+                <a:ea typeface="D2Coding ligature" pitchFamily="49" charset="-127"/>
+              </a:rPr>
+              <a:t>를 출력하는 프로그램을 작성하시오</a:t>
+            </a:r>
+            <a:r>
+              <a:rPr lang="en-US" altLang="ko-KR" sz="1400" smtClean="0">
+                <a:latin typeface="D2Coding ligature" pitchFamily="49" charset="-127"/>
+                <a:ea typeface="D2Coding ligature" pitchFamily="49" charset="-127"/>
+              </a:rPr>
+              <a:t>.</a:t>
+            </a:r>
+            <a:endParaRPr lang="en-US" altLang="ko-KR" sz="1400" dirty="0" smtClean="0">
+              <a:latin typeface="D2Coding ligature" pitchFamily="49" charset="-127"/>
+              <a:ea typeface="D2Coding ligature" pitchFamily="49" charset="-127"/>
+            </a:endParaRPr>
+          </a:p>
+        </p:txBody>
+      </p:sp>
+      <p:sp>
+        <p:nvSpPr>
+          <p:cNvPr id="6" name="TextBox 5"/>
+          <p:cNvSpPr txBox="1"/>
+          <p:nvPr/>
+        </p:nvSpPr>
+        <p:spPr>
+          <a:xfrm>
+            <a:off x="361308" y="136110"/>
+            <a:ext cx="2932791" cy="369332"/>
+          </a:xfrm>
+          <a:prstGeom prst="rect">
+            <a:avLst/>
+          </a:prstGeom>
+          <a:noFill/>
+        </p:spPr>
+        <p:txBody>
+          <a:bodyPr wrap="none" rtlCol="0">
+            <a:spAutoFit/>
+          </a:bodyPr>
+          <a:lstStyle/>
+          <a:p>
+            <a:r>
+              <a:rPr lang="en-US" altLang="ko-KR" b="1" dirty="0" smtClean="0"/>
+              <a:t>4. </a:t>
+            </a:r>
+            <a:r>
+              <a:rPr lang="ko-KR" altLang="en-US" b="1" dirty="0" smtClean="0"/>
+              <a:t>데이터 베이스</a:t>
+            </a:r>
+            <a:r>
+              <a:rPr lang="en-US" altLang="ko-KR" b="1" dirty="0" smtClean="0"/>
+              <a:t>(SQLite3)</a:t>
+            </a:r>
+            <a:endParaRPr lang="ko-KR" altLang="en-US" b="1" dirty="0"/>
+          </a:p>
+        </p:txBody>
+      </p:sp>
+    </p:spTree>
+    <p:extLst>
+      <p:ext uri="{BB962C8B-B14F-4D97-AF65-F5344CB8AC3E}">
+        <p14:creationId xmlns:p14="http://schemas.microsoft.com/office/powerpoint/2010/main" val="2739909799"/>
       </p:ext>
     </p:extLst>
   </p:cSld>
